--- a/output/Imagenet training in minutes.pptx
+++ b/output/Imagenet training in minutes.pptx
@@ -3457,7 +3457,7 @@
                 <a:latin typeface="Montserrat ExtraBold"/>
                 <a:ea typeface="Montserrat ExtraBold"/>
               </a:rPr>
-              <a:t>Industry Collaborations</a:t>
+              <a:t>Resources and Support</a:t>
             </a:r>
             <a:endParaRPr b="0" lang="en-US" sz="2400" spc="-1" strike="noStrike">
               <a:latin typeface="Arial"/>
@@ -3511,7 +3511,9 @@
                 <a:latin typeface="Montserrat"/>
                 <a:ea typeface="Montserrat"/>
               </a:rPr>
-              <a:t>Acknowledgment of industry sponsors involved in DNN training research, collaborations with companies like Intel, Google, NVIDIA, and the significance of ASPIRE in advancing machine learning technologies.</a:t>
+              <a:t>- Mention of XSEDE and Nvidia's support
+- Information on the ASPIRE website
+- Contact for confidential support through the Suicide Prevention Lifeline</a:t>
             </a:r>
             <a:endParaRPr b="0" lang="en-US" sz="2000" spc="-1" strike="noStrike">
               <a:latin typeface="Arial"/>
@@ -3661,7 +3663,7 @@
                 <a:latin typeface="Montserrat ExtraBold"/>
                 <a:ea typeface="Montserrat ExtraBold"/>
               </a:rPr>
-              <a:t>Conclusion</a:t>
+              <a:t>References and Further Reading</a:t>
             </a:r>
             <a:endParaRPr b="0" lang="en-US" sz="2400" spc="-1" strike="noStrike">
               <a:latin typeface="Arial"/>
@@ -3715,7 +3717,9 @@
                 <a:latin typeface="Montserrat"/>
                 <a:ea typeface="Montserrat"/>
               </a:rPr>
-              <a:t>Summary of key takeaways, including the importance of scaling algorithms, hardware optimizations, and algorithmic improvements for efficient and accurate DNN training.</a:t>
+              <a:t>- Mention of relevant publications and resources
+- Implications of the work in computer science and engineering
+- ArXiv reference for additional information</a:t>
             </a:r>
             <a:endParaRPr b="0" lang="en-US" sz="2000" spc="-1" strike="noStrike">
               <a:latin typeface="Arial"/>
@@ -3872,7 +3876,7 @@
                 <a:latin typeface="Montserrat ExtraBold"/>
                 <a:ea typeface="Montserrat ExtraBold"/>
               </a:rPr>
-              <a:t>Introduction to DNN Training</a:t>
+              <a:t>Overview of Deep Neural Network Training</a:t>
             </a:r>
             <a:endParaRPr b="0" lang="en-US" sz="2400" spc="-1" strike="noStrike">
               <a:latin typeface="Arial"/>
@@ -3926,7 +3930,9 @@
                 <a:latin typeface="Montserrat"/>
                 <a:ea typeface="Montserrat"/>
               </a:rPr>
-              <a:t>Overview of Deep Neural Network training for ImageNet-1k benchmark set and the significance of using DNNs in various applications such as autonomous driving, oil and gas exploration, and medical imaging.</a:t>
+              <a:t>- Various approaches to DNN training
+- Importance of scaling for ImageNet-1k benchmark set
+- Impact of batch size and number of processors on training efficiency</a:t>
             </a:r>
             <a:endParaRPr b="0" lang="en-US" sz="2000" spc="-1" strike="noStrike">
               <a:latin typeface="Arial"/>
@@ -4135,7 +4141,9 @@
                 <a:latin typeface="Montserrat"/>
                 <a:ea typeface="Montserrat"/>
               </a:rPr>
-              <a:t>Discussion on the use of synchronous stochastic gradient descent, batch size scaling, and the trade-offs between training speed and accuracy in DNN models.</a:t>
+              <a:t>- Use of LARS algorithm to increase batch size
+- Comparison of test accuracy and training times with Facebook's version
+- Availability of code for reference</a:t>
             </a:r>
             <a:endParaRPr b="0" lang="en-US" sz="2000" spc="-1" strike="noStrike">
               <a:latin typeface="Arial"/>
@@ -4285,7 +4293,7 @@
                 <a:latin typeface="Montserrat ExtraBold"/>
                 <a:ea typeface="Montserrat ExtraBold"/>
               </a:rPr>
-              <a:t>State-of-the-Art Methods</a:t>
+              <a:t>Synchronous and Asynchronous Approaches</a:t>
             </a:r>
             <a:endParaRPr b="0" lang="en-US" sz="2400" spc="-1" strike="noStrike">
               <a:latin typeface="Arial"/>
@@ -4339,7 +4347,9 @@
                 <a:latin typeface="Montserrat"/>
                 <a:ea typeface="Montserrat"/>
               </a:rPr>
-              <a:t>Overview of synchronous and asynchronous approaches in DNN training, including data-parallelism, parameter servers, and the impact of communication overhead on large-scale systems.</a:t>
+              <a:t>- Overview of synchronous stochastic gradient descent
+- Discussion on asynchronous approaches like master-worker scheme and parameter server
+- Use of data parallelism in state-of-the-art methods</a:t>
             </a:r>
             <a:endParaRPr b="0" lang="en-US" sz="2000" spc="-1" strike="noStrike">
               <a:latin typeface="Arial"/>
@@ -4489,7 +4499,7 @@
                 <a:latin typeface="Montserrat ExtraBold"/>
                 <a:ea typeface="Montserrat ExtraBold"/>
               </a:rPr>
-              <a:t>Hardware Considerations</a:t>
+              <a:t>Hardware Considerations for DNN Training</a:t>
             </a:r>
             <a:endParaRPr b="0" lang="en-US" sz="2400" spc="-1" strike="noStrike">
               <a:latin typeface="Arial"/>
@@ -4543,7 +4553,9 @@
                 <a:latin typeface="Montserrat"/>
                 <a:ea typeface="Montserrat"/>
               </a:rPr>
-              <a:t>Introduction to hardware configurations like the KNL processor with Multi-Channel DRAM, optimizing memory efficiency, and utilizing supercomputers for faster training.</a:t>
+              <a:t>- Description of Multi-Channel DRAM (MCDRAM) in KNL
+- Importance of memory efficiency and communication overhead in DNN training
+- Utilizing large batch size for distributed training</a:t>
             </a:r>
             <a:endParaRPr b="0" lang="en-US" sz="2000" spc="-1" strike="noStrike">
               <a:latin typeface="Arial"/>
@@ -4693,7 +4705,7 @@
                 <a:latin typeface="Montserrat ExtraBold"/>
                 <a:ea typeface="Montserrat ExtraBold"/>
               </a:rPr>
-              <a:t>Algorithmic Improvements</a:t>
+              <a:t>Performance Considerations</a:t>
             </a:r>
             <a:endParaRPr b="0" lang="en-US" sz="2400" spc="-1" strike="noStrike">
               <a:latin typeface="Arial"/>
@@ -4747,7 +4759,9 @@
                 <a:latin typeface="Montserrat"/>
                 <a:ea typeface="Montserrat"/>
               </a:rPr>
-              <a:t>Implementation of algorithms like LARS and warmup schemes to scale up batch sizes, achieve high accuracy, and optimize learning rates for improved training efficiency.</a:t>
+              <a:t>- Use of supercomputers for DNN training
+- Comparison of ResNet50 and AlexNet scaling efficiency
+- Challenges with using very large batch sizes</a:t>
             </a:r>
             <a:endParaRPr b="0" lang="en-US" sz="2000" spc="-1" strike="noStrike">
               <a:latin typeface="Arial"/>
@@ -4897,7 +4911,7 @@
                 <a:latin typeface="Montserrat ExtraBold"/>
                 <a:ea typeface="Montserrat ExtraBold"/>
               </a:rPr>
-              <a:t>Results and Comparisons</a:t>
+              <a:t>Communication Overhead in Distributed Training</a:t>
             </a:r>
             <a:endParaRPr b="0" lang="en-US" sz="2400" spc="-1" strike="noStrike">
               <a:latin typeface="Arial"/>
@@ -4951,7 +4965,9 @@
                 <a:latin typeface="Montserrat"/>
                 <a:ea typeface="Montserrat"/>
               </a:rPr>
-              <a:t>Comparing training results, accuracy scaling efficiency, and performance benchmarks of different DNN models like ResNet-50 and AlexNet using various batch sizes and processors.</a:t>
+              <a:t>- Discussion on communication among GPUs
+- Impact of batch size on latency and bandwidth
+- Energy costs associated with communication</a:t>
             </a:r>
             <a:endParaRPr b="0" lang="en-US" sz="2000" spc="-1" strike="noStrike">
               <a:latin typeface="Arial"/>
@@ -5101,7 +5117,7 @@
                 <a:latin typeface="Montserrat ExtraBold"/>
                 <a:ea typeface="Montserrat ExtraBold"/>
               </a:rPr>
-              <a:t>Communication Overhead</a:t>
+              <a:t>Experimental Results</a:t>
             </a:r>
             <a:endParaRPr b="0" lang="en-US" sz="2400" spc="-1" strike="noStrike">
               <a:latin typeface="Arial"/>
@@ -5155,7 +5171,9 @@
                 <a:latin typeface="Montserrat"/>
                 <a:ea typeface="Montserrat"/>
               </a:rPr>
-              <a:t>Discussion on the impact of communication overhead on DNN training, the importance of all-reduce operations, and strategies to reduce latency and bandwidth overhead.</a:t>
+              <a:t>- Results of 90-epoch ImageNet training with ResNet50
+- Comparison of training times with different batch sizes
+- Achieving high accuracy with large batch sizes</a:t>
             </a:r>
             <a:endParaRPr b="0" lang="en-US" sz="2000" spc="-1" strike="noStrike">
               <a:latin typeface="Arial"/>
@@ -5305,7 +5323,7 @@
                 <a:latin typeface="Montserrat ExtraBold"/>
                 <a:ea typeface="Montserrat ExtraBold"/>
               </a:rPr>
-              <a:t>Energy Efficiency</a:t>
+              <a:t>Industry Sponsorships and Support</a:t>
             </a:r>
             <a:endParaRPr b="0" lang="en-US" sz="2400" spc="-1" strike="noStrike">
               <a:latin typeface="Arial"/>
@@ -5359,7 +5377,9 @@
                 <a:latin typeface="Montserrat"/>
                 <a:ea typeface="Montserrat"/>
               </a:rPr>
-              <a:t>Exploring the energy costs of communication versus computation in DNN training, energy consumption comparisons, and the implications for optimizing training processes.</a:t>
+              <a:t>- List of sponsors for ASPIRE project
+- Acknowledgment of support from Intel, Google, HP, and other companies
+- Contact information for further details</a:t>
             </a:r>
             <a:endParaRPr b="0" lang="en-US" sz="2000" spc="-1" strike="noStrike">
               <a:latin typeface="Arial"/>
